--- a/img/imgs.pptx
+++ b/img/imgs.pptx
@@ -8,6 +8,7 @@
     <p:sldId id="256" r:id="rId2"/>
     <p:sldId id="259" r:id="rId3"/>
     <p:sldId id="257" r:id="rId4"/>
+    <p:sldId id="260" r:id="rId5"/>
   </p:sldIdLst>
   <p:sldSz cx="9144000" cy="6858000" type="screen4x3"/>
   <p:notesSz cx="6858000" cy="9144000"/>
@@ -290,7 +291,7 @@
           <a:p>
             <a:fld id="{3BE65098-4FAE-468B-B5B3-09D9B5F4F17A}" type="datetimeFigureOut">
               <a:rPr lang="zh-TW" altLang="en-US" smtClean="0"/>
-              <a:t>2016/8/14</a:t>
+              <a:t>2016/8/28</a:t>
             </a:fld>
             <a:endParaRPr lang="zh-TW" altLang="en-US"/>
           </a:p>
@@ -460,7 +461,7 @@
           <a:p>
             <a:fld id="{3BE65098-4FAE-468B-B5B3-09D9B5F4F17A}" type="datetimeFigureOut">
               <a:rPr lang="zh-TW" altLang="en-US" smtClean="0"/>
-              <a:t>2016/8/14</a:t>
+              <a:t>2016/8/28</a:t>
             </a:fld>
             <a:endParaRPr lang="zh-TW" altLang="en-US"/>
           </a:p>
@@ -640,7 +641,7 @@
           <a:p>
             <a:fld id="{3BE65098-4FAE-468B-B5B3-09D9B5F4F17A}" type="datetimeFigureOut">
               <a:rPr lang="zh-TW" altLang="en-US" smtClean="0"/>
-              <a:t>2016/8/14</a:t>
+              <a:t>2016/8/28</a:t>
             </a:fld>
             <a:endParaRPr lang="zh-TW" altLang="en-US"/>
           </a:p>
@@ -810,7 +811,7 @@
           <a:p>
             <a:fld id="{3BE65098-4FAE-468B-B5B3-09D9B5F4F17A}" type="datetimeFigureOut">
               <a:rPr lang="zh-TW" altLang="en-US" smtClean="0"/>
-              <a:t>2016/8/14</a:t>
+              <a:t>2016/8/28</a:t>
             </a:fld>
             <a:endParaRPr lang="zh-TW" altLang="en-US"/>
           </a:p>
@@ -1056,7 +1057,7 @@
           <a:p>
             <a:fld id="{3BE65098-4FAE-468B-B5B3-09D9B5F4F17A}" type="datetimeFigureOut">
               <a:rPr lang="zh-TW" altLang="en-US" smtClean="0"/>
-              <a:t>2016/8/14</a:t>
+              <a:t>2016/8/28</a:t>
             </a:fld>
             <a:endParaRPr lang="zh-TW" altLang="en-US"/>
           </a:p>
@@ -1344,7 +1345,7 @@
           <a:p>
             <a:fld id="{3BE65098-4FAE-468B-B5B3-09D9B5F4F17A}" type="datetimeFigureOut">
               <a:rPr lang="zh-TW" altLang="en-US" smtClean="0"/>
-              <a:t>2016/8/14</a:t>
+              <a:t>2016/8/28</a:t>
             </a:fld>
             <a:endParaRPr lang="zh-TW" altLang="en-US"/>
           </a:p>
@@ -1766,7 +1767,7 @@
           <a:p>
             <a:fld id="{3BE65098-4FAE-468B-B5B3-09D9B5F4F17A}" type="datetimeFigureOut">
               <a:rPr lang="zh-TW" altLang="en-US" smtClean="0"/>
-              <a:t>2016/8/14</a:t>
+              <a:t>2016/8/28</a:t>
             </a:fld>
             <a:endParaRPr lang="zh-TW" altLang="en-US"/>
           </a:p>
@@ -1884,7 +1885,7 @@
           <a:p>
             <a:fld id="{3BE65098-4FAE-468B-B5B3-09D9B5F4F17A}" type="datetimeFigureOut">
               <a:rPr lang="zh-TW" altLang="en-US" smtClean="0"/>
-              <a:t>2016/8/14</a:t>
+              <a:t>2016/8/28</a:t>
             </a:fld>
             <a:endParaRPr lang="zh-TW" altLang="en-US"/>
           </a:p>
@@ -1979,7 +1980,7 @@
           <a:p>
             <a:fld id="{3BE65098-4FAE-468B-B5B3-09D9B5F4F17A}" type="datetimeFigureOut">
               <a:rPr lang="zh-TW" altLang="en-US" smtClean="0"/>
-              <a:t>2016/8/14</a:t>
+              <a:t>2016/8/28</a:t>
             </a:fld>
             <a:endParaRPr lang="zh-TW" altLang="en-US"/>
           </a:p>
@@ -2256,7 +2257,7 @@
           <a:p>
             <a:fld id="{3BE65098-4FAE-468B-B5B3-09D9B5F4F17A}" type="datetimeFigureOut">
               <a:rPr lang="zh-TW" altLang="en-US" smtClean="0"/>
-              <a:t>2016/8/14</a:t>
+              <a:t>2016/8/28</a:t>
             </a:fld>
             <a:endParaRPr lang="zh-TW" altLang="en-US"/>
           </a:p>
@@ -2509,7 +2510,7 @@
           <a:p>
             <a:fld id="{3BE65098-4FAE-468B-B5B3-09D9B5F4F17A}" type="datetimeFigureOut">
               <a:rPr lang="zh-TW" altLang="en-US" smtClean="0"/>
-              <a:t>2016/8/14</a:t>
+              <a:t>2016/8/28</a:t>
             </a:fld>
             <a:endParaRPr lang="zh-TW" altLang="en-US"/>
           </a:p>
@@ -2722,7 +2723,7 @@
           <a:p>
             <a:fld id="{3BE65098-4FAE-468B-B5B3-09D9B5F4F17A}" type="datetimeFigureOut">
               <a:rPr lang="zh-TW" altLang="en-US" smtClean="0"/>
-              <a:t>2016/8/14</a:t>
+              <a:t>2016/8/28</a:t>
             </a:fld>
             <a:endParaRPr lang="zh-TW" altLang="en-US"/>
           </a:p>
@@ -12678,6 +12679,36 @@
       </p:par>
     </p:tnLst>
   </p:timing>
+</p:sld>
+</file>
+
+<file path=ppt/slides/slide4.xml><?xml version="1.0" encoding="utf-8"?>
+<p:sld xmlns:a="http://schemas.openxmlformats.org/drawingml/2006/main" xmlns:r="http://schemas.openxmlformats.org/officeDocument/2006/relationships" xmlns:p="http://schemas.openxmlformats.org/presentationml/2006/main">
+  <p:cSld>
+    <p:spTree>
+      <p:nvGrpSpPr>
+        <p:cNvPr id="1" name=""/>
+        <p:cNvGrpSpPr/>
+        <p:nvPr/>
+      </p:nvGrpSpPr>
+      <p:grpSpPr>
+        <a:xfrm>
+          <a:off x="0" y="0"/>
+          <a:ext cx="0" cy="0"/>
+          <a:chOff x="0" y="0"/>
+          <a:chExt cx="0" cy="0"/>
+        </a:xfrm>
+      </p:grpSpPr>
+    </p:spTree>
+    <p:extLst>
+      <p:ext uri="{BB962C8B-B14F-4D97-AF65-F5344CB8AC3E}">
+        <p14:creationId xmlns:p14="http://schemas.microsoft.com/office/powerpoint/2010/main" val="4236994776"/>
+      </p:ext>
+    </p:extLst>
+  </p:cSld>
+  <p:clrMapOvr>
+    <a:masterClrMapping/>
+  </p:clrMapOvr>
 </p:sld>
 </file>
 
